--- a/test/images/logo-boxes.pptx
+++ b/test/images/logo-boxes.pptx
@@ -288,7 +288,7 @@
           <a:p>
             <a:fld id="{F6DE0197-358A-40C9-92BC-80FA3A6CF815}" type="datetimeFigureOut">
               <a:rPr lang="en-NZ" smtClean="0"/>
-              <a:t>2017-05-26</a:t>
+              <a:t>2017-05-29</a:t>
             </a:fld>
             <a:endParaRPr lang="en-NZ"/>
           </a:p>
@@ -458,7 +458,7 @@
           <a:p>
             <a:fld id="{F6DE0197-358A-40C9-92BC-80FA3A6CF815}" type="datetimeFigureOut">
               <a:rPr lang="en-NZ" smtClean="0"/>
-              <a:t>2017-05-26</a:t>
+              <a:t>2017-05-29</a:t>
             </a:fld>
             <a:endParaRPr lang="en-NZ"/>
           </a:p>
@@ -638,7 +638,7 @@
           <a:p>
             <a:fld id="{F6DE0197-358A-40C9-92BC-80FA3A6CF815}" type="datetimeFigureOut">
               <a:rPr lang="en-NZ" smtClean="0"/>
-              <a:t>2017-05-26</a:t>
+              <a:t>2017-05-29</a:t>
             </a:fld>
             <a:endParaRPr lang="en-NZ"/>
           </a:p>
@@ -808,7 +808,7 @@
           <a:p>
             <a:fld id="{F6DE0197-358A-40C9-92BC-80FA3A6CF815}" type="datetimeFigureOut">
               <a:rPr lang="en-NZ" smtClean="0"/>
-              <a:t>2017-05-26</a:t>
+              <a:t>2017-05-29</a:t>
             </a:fld>
             <a:endParaRPr lang="en-NZ"/>
           </a:p>
@@ -1054,7 +1054,7 @@
           <a:p>
             <a:fld id="{F6DE0197-358A-40C9-92BC-80FA3A6CF815}" type="datetimeFigureOut">
               <a:rPr lang="en-NZ" smtClean="0"/>
-              <a:t>2017-05-26</a:t>
+              <a:t>2017-05-29</a:t>
             </a:fld>
             <a:endParaRPr lang="en-NZ"/>
           </a:p>
@@ -1342,7 +1342,7 @@
           <a:p>
             <a:fld id="{F6DE0197-358A-40C9-92BC-80FA3A6CF815}" type="datetimeFigureOut">
               <a:rPr lang="en-NZ" smtClean="0"/>
-              <a:t>2017-05-26</a:t>
+              <a:t>2017-05-29</a:t>
             </a:fld>
             <a:endParaRPr lang="en-NZ"/>
           </a:p>
@@ -1764,7 +1764,7 @@
           <a:p>
             <a:fld id="{F6DE0197-358A-40C9-92BC-80FA3A6CF815}" type="datetimeFigureOut">
               <a:rPr lang="en-NZ" smtClean="0"/>
-              <a:t>2017-05-26</a:t>
+              <a:t>2017-05-29</a:t>
             </a:fld>
             <a:endParaRPr lang="en-NZ"/>
           </a:p>
@@ -1882,7 +1882,7 @@
           <a:p>
             <a:fld id="{F6DE0197-358A-40C9-92BC-80FA3A6CF815}" type="datetimeFigureOut">
               <a:rPr lang="en-NZ" smtClean="0"/>
-              <a:t>2017-05-26</a:t>
+              <a:t>2017-05-29</a:t>
             </a:fld>
             <a:endParaRPr lang="en-NZ"/>
           </a:p>
@@ -1977,7 +1977,7 @@
           <a:p>
             <a:fld id="{F6DE0197-358A-40C9-92BC-80FA3A6CF815}" type="datetimeFigureOut">
               <a:rPr lang="en-NZ" smtClean="0"/>
-              <a:t>2017-05-26</a:t>
+              <a:t>2017-05-29</a:t>
             </a:fld>
             <a:endParaRPr lang="en-NZ"/>
           </a:p>
@@ -2254,7 +2254,7 @@
           <a:p>
             <a:fld id="{F6DE0197-358A-40C9-92BC-80FA3A6CF815}" type="datetimeFigureOut">
               <a:rPr lang="en-NZ" smtClean="0"/>
-              <a:t>2017-05-26</a:t>
+              <a:t>2017-05-29</a:t>
             </a:fld>
             <a:endParaRPr lang="en-NZ"/>
           </a:p>
@@ -2507,7 +2507,7 @@
           <a:p>
             <a:fld id="{F6DE0197-358A-40C9-92BC-80FA3A6CF815}" type="datetimeFigureOut">
               <a:rPr lang="en-NZ" smtClean="0"/>
-              <a:t>2017-05-26</a:t>
+              <a:t>2017-05-29</a:t>
             </a:fld>
             <a:endParaRPr lang="en-NZ"/>
           </a:p>
@@ -2720,7 +2720,7 @@
           <a:p>
             <a:fld id="{F6DE0197-358A-40C9-92BC-80FA3A6CF815}" type="datetimeFigureOut">
               <a:rPr lang="en-NZ" smtClean="0"/>
-              <a:t>2017-05-26</a:t>
+              <a:t>2017-05-29</a:t>
             </a:fld>
             <a:endParaRPr lang="en-NZ"/>
           </a:p>
@@ -3103,8 +3103,8 @@
         </p:nvSpPr>
         <p:spPr>
           <a:xfrm>
-            <a:off x="323528" y="836712"/>
-            <a:ext cx="8820472" cy="4464496"/>
+            <a:off x="179512" y="116632"/>
+            <a:ext cx="8820472" cy="6336704"/>
           </a:xfrm>
           <a:prstGeom prst="rect">
             <a:avLst/>
@@ -3146,7 +3146,7 @@
         </p:nvSpPr>
         <p:spPr>
           <a:xfrm>
-            <a:off x="467544" y="2348880"/>
+            <a:off x="323528" y="1628800"/>
             <a:ext cx="3816424" cy="1152128"/>
           </a:xfrm>
           <a:prstGeom prst="roundRect">
@@ -3192,7 +3192,7 @@
         </p:nvSpPr>
         <p:spPr>
           <a:xfrm>
-            <a:off x="467543" y="1268760"/>
+            <a:off x="323527" y="548680"/>
             <a:ext cx="3816424" cy="936104"/>
           </a:xfrm>
           <a:prstGeom prst="roundRect">
@@ -3253,7 +3253,7 @@
         </p:blipFill>
         <p:spPr bwMode="auto">
           <a:xfrm>
-            <a:off x="714996" y="2512245"/>
+            <a:off x="570980" y="1792165"/>
             <a:ext cx="3321519" cy="872318"/>
           </a:xfrm>
           <a:prstGeom prst="rect">
@@ -3294,7 +3294,7 @@
         </p:blipFill>
         <p:spPr bwMode="auto">
           <a:xfrm>
-            <a:off x="714997" y="1438394"/>
+            <a:off x="570981" y="718314"/>
             <a:ext cx="3321518" cy="596836"/>
           </a:xfrm>
           <a:prstGeom prst="rect">
@@ -3320,7 +3320,7 @@
         </p:nvSpPr>
         <p:spPr>
           <a:xfrm>
-            <a:off x="467543" y="3645024"/>
+            <a:off x="323527" y="2924944"/>
             <a:ext cx="3816424" cy="864096"/>
           </a:xfrm>
           <a:prstGeom prst="roundRect">
@@ -3381,7 +3381,7 @@
         </p:blipFill>
         <p:spPr bwMode="auto">
           <a:xfrm>
-            <a:off x="714997" y="3867631"/>
+            <a:off x="570981" y="3147551"/>
             <a:ext cx="3321518" cy="418882"/>
           </a:xfrm>
           <a:prstGeom prst="rect">
@@ -3407,7 +3407,7 @@
         </p:nvSpPr>
         <p:spPr>
           <a:xfrm>
-            <a:off x="4756731" y="2348880"/>
+            <a:off x="4612715" y="1628800"/>
             <a:ext cx="3816424" cy="1152128"/>
           </a:xfrm>
           <a:prstGeom prst="roundRect">
@@ -3453,7 +3453,7 @@
         </p:nvSpPr>
         <p:spPr>
           <a:xfrm>
-            <a:off x="4756730" y="1268760"/>
+            <a:off x="4612714" y="548680"/>
             <a:ext cx="3816424" cy="936104"/>
           </a:xfrm>
           <a:prstGeom prst="roundRect">
@@ -3499,7 +3499,7 @@
         </p:nvSpPr>
         <p:spPr>
           <a:xfrm>
-            <a:off x="4756730" y="3645024"/>
+            <a:off x="4612714" y="2924944"/>
             <a:ext cx="3816424" cy="864096"/>
           </a:xfrm>
           <a:prstGeom prst="roundRect">
@@ -3537,6 +3537,168 @@
           </a:p>
         </p:txBody>
       </p:sp>
+      <p:sp>
+        <p:nvSpPr>
+          <p:cNvPr id="2" name="Oval 1"/>
+          <p:cNvSpPr/>
+          <p:nvPr/>
+        </p:nvSpPr>
+        <p:spPr>
+          <a:xfrm>
+            <a:off x="4860032" y="4941168"/>
+            <a:ext cx="288032" cy="288032"/>
+          </a:xfrm>
+          <a:prstGeom prst="ellipse">
+            <a:avLst/>
+          </a:prstGeom>
+          <a:solidFill>
+            <a:schemeClr val="bg1"/>
+          </a:solidFill>
+          <a:ln>
+            <a:noFill/>
+          </a:ln>
+        </p:spPr>
+        <p:style>
+          <a:lnRef idx="2">
+            <a:schemeClr val="accent1">
+              <a:shade val="50000"/>
+            </a:schemeClr>
+          </a:lnRef>
+          <a:fillRef idx="1">
+            <a:schemeClr val="accent1"/>
+          </a:fillRef>
+          <a:effectRef idx="0">
+            <a:schemeClr val="accent1"/>
+          </a:effectRef>
+          <a:fontRef idx="minor">
+            <a:schemeClr val="lt1"/>
+          </a:fontRef>
+        </p:style>
+        <p:txBody>
+          <a:bodyPr rtlCol="0" anchor="ctr"/>
+          <a:lstStyle/>
+          <a:p>
+            <a:pPr algn="ctr"/>
+            <a:endParaRPr lang="en-NZ"/>
+          </a:p>
+        </p:txBody>
+      </p:sp>
+      <p:cxnSp>
+        <p:nvCxnSpPr>
+          <p:cNvPr id="4" name="Straight Connector 3"/>
+          <p:cNvCxnSpPr/>
+          <p:nvPr/>
+        </p:nvCxnSpPr>
+        <p:spPr>
+          <a:xfrm flipV="1">
+            <a:off x="4932040" y="4676152"/>
+            <a:ext cx="648072" cy="288032"/>
+          </a:xfrm>
+          <a:prstGeom prst="line">
+            <a:avLst/>
+          </a:prstGeom>
+          <a:ln>
+            <a:solidFill>
+              <a:schemeClr val="bg1"/>
+            </a:solidFill>
+          </a:ln>
+        </p:spPr>
+        <p:style>
+          <a:lnRef idx="1">
+            <a:schemeClr val="accent1"/>
+          </a:lnRef>
+          <a:fillRef idx="0">
+            <a:schemeClr val="accent1"/>
+          </a:fillRef>
+          <a:effectRef idx="0">
+            <a:schemeClr val="accent1"/>
+          </a:effectRef>
+          <a:fontRef idx="minor">
+            <a:schemeClr val="tx1"/>
+          </a:fontRef>
+        </p:style>
+      </p:cxnSp>
+      <p:sp>
+        <p:nvSpPr>
+          <p:cNvPr id="18" name="Rounded Rectangle 17"/>
+          <p:cNvSpPr/>
+          <p:nvPr/>
+        </p:nvSpPr>
+        <p:spPr>
+          <a:xfrm>
+            <a:off x="5508104" y="4653136"/>
+            <a:ext cx="1728192" cy="864096"/>
+          </a:xfrm>
+          <a:prstGeom prst="roundRect">
+            <a:avLst/>
+          </a:prstGeom>
+          <a:solidFill>
+            <a:schemeClr val="bg1"/>
+          </a:solidFill>
+          <a:ln>
+            <a:noFill/>
+          </a:ln>
+        </p:spPr>
+        <p:style>
+          <a:lnRef idx="2">
+            <a:schemeClr val="accent1">
+              <a:shade val="50000"/>
+            </a:schemeClr>
+          </a:lnRef>
+          <a:fillRef idx="1">
+            <a:schemeClr val="accent1"/>
+          </a:fillRef>
+          <a:effectRef idx="0">
+            <a:schemeClr val="accent1"/>
+          </a:effectRef>
+          <a:fontRef idx="minor">
+            <a:schemeClr val="lt1"/>
+          </a:fontRef>
+        </p:style>
+        <p:txBody>
+          <a:bodyPr rtlCol="0" anchor="ctr"/>
+          <a:lstStyle/>
+          <a:p>
+            <a:pPr algn="ctr"/>
+            <a:endParaRPr lang="en-NZ"/>
+          </a:p>
+        </p:txBody>
+      </p:sp>
+      <p:cxnSp>
+        <p:nvCxnSpPr>
+          <p:cNvPr id="20" name="Straight Connector 19"/>
+          <p:cNvCxnSpPr/>
+          <p:nvPr/>
+        </p:nvCxnSpPr>
+        <p:spPr>
+          <a:xfrm>
+            <a:off x="4932040" y="5203650"/>
+            <a:ext cx="648072" cy="288032"/>
+          </a:xfrm>
+          <a:prstGeom prst="line">
+            <a:avLst/>
+          </a:prstGeom>
+          <a:ln>
+            <a:solidFill>
+              <a:schemeClr val="bg1"/>
+            </a:solidFill>
+          </a:ln>
+        </p:spPr>
+        <p:style>
+          <a:lnRef idx="1">
+            <a:schemeClr val="accent1"/>
+          </a:lnRef>
+          <a:fillRef idx="0">
+            <a:schemeClr val="accent1"/>
+          </a:fillRef>
+          <a:effectRef idx="0">
+            <a:schemeClr val="accent1"/>
+          </a:effectRef>
+          <a:fontRef idx="minor">
+            <a:schemeClr val="tx1"/>
+          </a:fontRef>
+        </p:style>
+      </p:cxnSp>
     </p:spTree>
     <p:extLst>
       <p:ext uri="{BB962C8B-B14F-4D97-AF65-F5344CB8AC3E}">
